--- a/Donation to person.pptx
+++ b/Donation to person.pptx
@@ -6,7 +6,7 @@
     <p:sldMasterId id="2147483660" r:id="rId2"/>
   </p:sldMasterIdLst>
   <p:notesMasterIdLst>
-    <p:notesMasterId r:id="rId11"/>
+    <p:notesMasterId r:id="rId12"/>
   </p:notesMasterIdLst>
   <p:sldIdLst>
     <p:sldId id="271" r:id="rId3"/>
@@ -17,6 +17,7 @@
     <p:sldId id="284" r:id="rId8"/>
     <p:sldId id="289" r:id="rId9"/>
     <p:sldId id="275" r:id="rId10"/>
+    <p:sldId id="291" r:id="rId11"/>
   </p:sldIdLst>
   <p:sldSz cx="12192000" cy="6858000"/>
   <p:notesSz cx="6858000" cy="9144000"/>
@@ -205,7 +206,7 @@
           <a:p>
             <a:fld id="{31F432DC-7B6B-864E-9249-8BE62C37A22E}" type="datetimeFigureOut">
               <a:rPr kumimoji="1" lang="ja-JP" altLang="en-US" smtClean="0"/>
-              <a:t>2021/10/5</a:t>
+              <a:t>2021/10/15</a:t>
             </a:fld>
             <a:endParaRPr kumimoji="1" lang="ja-JP" altLang="en-US"/>
           </a:p>
@@ -1336,6 +1337,110 @@
 </p:notes>
 </file>
 
+<file path=ppt/notesSlides/notesSlide9.xml><?xml version="1.0" encoding="utf-8"?>
+<p:notes xmlns:a="http://schemas.openxmlformats.org/drawingml/2006/main" xmlns:r="http://schemas.openxmlformats.org/officeDocument/2006/relationships" xmlns:p="http://schemas.openxmlformats.org/presentationml/2006/main" showMasterSp="0" showMasterPhAnim="0">
+  <p:cSld>
+    <p:spTree>
+      <p:nvGrpSpPr>
+        <p:cNvPr id="1" name="Shape 120"/>
+        <p:cNvGrpSpPr/>
+        <p:nvPr/>
+      </p:nvGrpSpPr>
+      <p:grpSpPr>
+        <a:xfrm>
+          <a:off x="0" y="0"/>
+          <a:ext cx="0" cy="0"/>
+          <a:chOff x="0" y="0"/>
+          <a:chExt cx="0" cy="0"/>
+        </a:xfrm>
+      </p:grpSpPr>
+      <p:sp>
+        <p:nvSpPr>
+          <p:cNvPr id="121" name="Google Shape;121;p:notes"/>
+          <p:cNvSpPr>
+            <a:spLocks noGrp="1" noRot="1" noChangeAspect="1"/>
+          </p:cNvSpPr>
+          <p:nvPr>
+            <p:ph type="sldImg" idx="2"/>
+          </p:nvPr>
+        </p:nvSpPr>
+        <p:spPr>
+          <a:xfrm>
+            <a:off x="381000" y="685800"/>
+            <a:ext cx="6096000" cy="3429000"/>
+          </a:xfrm>
+          <a:custGeom>
+            <a:avLst/>
+            <a:gdLst/>
+            <a:ahLst/>
+            <a:cxnLst/>
+            <a:rect l="l" t="t" r="r" b="b"/>
+            <a:pathLst>
+              <a:path w="120000" h="120000" extrusionOk="0">
+                <a:moveTo>
+                  <a:pt x="0" y="0"/>
+                </a:moveTo>
+                <a:lnTo>
+                  <a:pt x="120000" y="0"/>
+                </a:lnTo>
+                <a:lnTo>
+                  <a:pt x="120000" y="120000"/>
+                </a:lnTo>
+                <a:lnTo>
+                  <a:pt x="0" y="120000"/>
+                </a:lnTo>
+                <a:close/>
+              </a:path>
+            </a:pathLst>
+          </a:custGeom>
+        </p:spPr>
+      </p:sp>
+      <p:sp>
+        <p:nvSpPr>
+          <p:cNvPr id="122" name="Google Shape;122;p:notes"/>
+          <p:cNvSpPr txBox="1">
+            <a:spLocks noGrp="1"/>
+          </p:cNvSpPr>
+          <p:nvPr>
+            <p:ph type="body" idx="1"/>
+          </p:nvPr>
+        </p:nvSpPr>
+        <p:spPr>
+          <a:xfrm>
+            <a:off x="685800" y="4343400"/>
+            <a:ext cx="5486400" cy="4114800"/>
+          </a:xfrm>
+          <a:prstGeom prst="rect">
+            <a:avLst/>
+          </a:prstGeom>
+        </p:spPr>
+        <p:txBody>
+          <a:bodyPr spcFirstLastPara="1" wrap="square" lIns="91425" tIns="91425" rIns="91425" bIns="91425" anchor="t" anchorCtr="0">
+            <a:noAutofit/>
+          </a:bodyPr>
+          <a:lstStyle/>
+          <a:p>
+            <a:pPr marL="0" lvl="0" indent="0" algn="l" rtl="0">
+              <a:spcBef>
+                <a:spcPts val="0"/>
+              </a:spcBef>
+              <a:spcAft>
+                <a:spcPts val="0"/>
+              </a:spcAft>
+              <a:buNone/>
+            </a:pPr>
+            <a:endParaRPr/>
+          </a:p>
+        </p:txBody>
+      </p:sp>
+    </p:spTree>
+  </p:cSld>
+  <p:clrMapOvr>
+    <a:masterClrMapping/>
+  </p:clrMapOvr>
+</p:notes>
+</file>
+
 <file path=ppt/slideLayouts/slideLayout1.xml><?xml version="1.0" encoding="utf-8"?>
 <p:sldLayout xmlns:a="http://schemas.openxmlformats.org/drawingml/2006/main" xmlns:r="http://schemas.openxmlformats.org/officeDocument/2006/relationships" xmlns:p="http://schemas.openxmlformats.org/presentationml/2006/main" type="title" preserve="1">
   <p:cSld name="タイトル スライド">
@@ -1483,7 +1588,7 @@
           <a:p>
             <a:fld id="{07BC4496-CCAF-6942-B0A5-E7223F02E003}" type="datetimeFigureOut">
               <a:rPr kumimoji="1" lang="ja-JP" altLang="en-US" smtClean="0"/>
-              <a:t>2021/10/5</a:t>
+              <a:t>2021/10/15</a:t>
             </a:fld>
             <a:endParaRPr kumimoji="1" lang="ja-JP" altLang="en-US"/>
           </a:p>
@@ -1713,7 +1818,7 @@
           <a:p>
             <a:fld id="{07BC4496-CCAF-6942-B0A5-E7223F02E003}" type="datetimeFigureOut">
               <a:rPr kumimoji="1" lang="ja-JP" altLang="en-US" smtClean="0"/>
-              <a:t>2021/10/5</a:t>
+              <a:t>2021/10/15</a:t>
             </a:fld>
             <a:endParaRPr kumimoji="1" lang="ja-JP" altLang="en-US"/>
           </a:p>
@@ -1953,7 +2058,7 @@
           <a:p>
             <a:fld id="{07BC4496-CCAF-6942-B0A5-E7223F02E003}" type="datetimeFigureOut">
               <a:rPr kumimoji="1" lang="ja-JP" altLang="en-US" smtClean="0"/>
-              <a:t>2021/10/5</a:t>
+              <a:t>2021/10/15</a:t>
             </a:fld>
             <a:endParaRPr kumimoji="1" lang="ja-JP" altLang="en-US"/>
           </a:p>
@@ -5638,7 +5743,7 @@
           <a:p>
             <a:fld id="{07BC4496-CCAF-6942-B0A5-E7223F02E003}" type="datetimeFigureOut">
               <a:rPr kumimoji="1" lang="ja-JP" altLang="en-US" smtClean="0"/>
-              <a:t>2021/10/5</a:t>
+              <a:t>2021/10/15</a:t>
             </a:fld>
             <a:endParaRPr kumimoji="1" lang="ja-JP" altLang="en-US"/>
           </a:p>
@@ -5913,7 +6018,7 @@
           <a:p>
             <a:fld id="{07BC4496-CCAF-6942-B0A5-E7223F02E003}" type="datetimeFigureOut">
               <a:rPr kumimoji="1" lang="ja-JP" altLang="en-US" smtClean="0"/>
-              <a:t>2021/10/5</a:t>
+              <a:t>2021/10/15</a:t>
             </a:fld>
             <a:endParaRPr kumimoji="1" lang="ja-JP" altLang="en-US"/>
           </a:p>
@@ -6242,7 +6347,7 @@
           <a:p>
             <a:fld id="{07BC4496-CCAF-6942-B0A5-E7223F02E003}" type="datetimeFigureOut">
               <a:rPr kumimoji="1" lang="ja-JP" altLang="en-US" smtClean="0"/>
-              <a:t>2021/10/5</a:t>
+              <a:t>2021/10/15</a:t>
             </a:fld>
             <a:endParaRPr kumimoji="1" lang="ja-JP" altLang="en-US"/>
           </a:p>
@@ -6718,7 +6823,7 @@
           <a:p>
             <a:fld id="{07BC4496-CCAF-6942-B0A5-E7223F02E003}" type="datetimeFigureOut">
               <a:rPr kumimoji="1" lang="ja-JP" altLang="en-US" smtClean="0"/>
-              <a:t>2021/10/5</a:t>
+              <a:t>2021/10/15</a:t>
             </a:fld>
             <a:endParaRPr kumimoji="1" lang="ja-JP" altLang="en-US"/>
           </a:p>
@@ -6859,7 +6964,7 @@
           <a:p>
             <a:fld id="{07BC4496-CCAF-6942-B0A5-E7223F02E003}" type="datetimeFigureOut">
               <a:rPr kumimoji="1" lang="ja-JP" altLang="en-US" smtClean="0"/>
-              <a:t>2021/10/5</a:t>
+              <a:t>2021/10/15</a:t>
             </a:fld>
             <a:endParaRPr kumimoji="1" lang="ja-JP" altLang="en-US"/>
           </a:p>
@@ -6972,7 +7077,7 @@
           <a:p>
             <a:fld id="{07BC4496-CCAF-6942-B0A5-E7223F02E003}" type="datetimeFigureOut">
               <a:rPr kumimoji="1" lang="ja-JP" altLang="en-US" smtClean="0"/>
-              <a:t>2021/10/5</a:t>
+              <a:t>2021/10/15</a:t>
             </a:fld>
             <a:endParaRPr kumimoji="1" lang="ja-JP" altLang="en-US"/>
           </a:p>
@@ -7315,7 +7420,7 @@
           <a:p>
             <a:fld id="{07BC4496-CCAF-6942-B0A5-E7223F02E003}" type="datetimeFigureOut">
               <a:rPr kumimoji="1" lang="ja-JP" altLang="en-US" smtClean="0"/>
-              <a:t>2021/10/5</a:t>
+              <a:t>2021/10/15</a:t>
             </a:fld>
             <a:endParaRPr kumimoji="1" lang="ja-JP" altLang="en-US"/>
           </a:p>
@@ -7603,7 +7708,7 @@
           <a:p>
             <a:fld id="{07BC4496-CCAF-6942-B0A5-E7223F02E003}" type="datetimeFigureOut">
               <a:rPr kumimoji="1" lang="ja-JP" altLang="en-US" smtClean="0"/>
-              <a:t>2021/10/5</a:t>
+              <a:t>2021/10/15</a:t>
             </a:fld>
             <a:endParaRPr kumimoji="1" lang="ja-JP" altLang="en-US"/>
           </a:p>
@@ -7876,7 +7981,7 @@
           <a:p>
             <a:fld id="{07BC4496-CCAF-6942-B0A5-E7223F02E003}" type="datetimeFigureOut">
               <a:rPr kumimoji="1" lang="ja-JP" altLang="en-US" smtClean="0"/>
-              <a:t>2021/10/5</a:t>
+              <a:t>2021/10/15</a:t>
             </a:fld>
             <a:endParaRPr kumimoji="1" lang="ja-JP" altLang="en-US"/>
           </a:p>
@@ -16090,78 +16195,6 @@
       </p:sp>
       <p:sp>
         <p:nvSpPr>
-          <p:cNvPr id="662" name="Google Shape;662;p45"/>
-          <p:cNvSpPr txBox="1"/>
-          <p:nvPr/>
-        </p:nvSpPr>
-        <p:spPr>
-          <a:xfrm>
-            <a:off x="1450838" y="5808789"/>
-            <a:ext cx="2657658" cy="750723"/>
-          </a:xfrm>
-          <a:prstGeom prst="rect">
-            <a:avLst/>
-          </a:prstGeom>
-          <a:noFill/>
-          <a:ln>
-            <a:noFill/>
-          </a:ln>
-        </p:spPr>
-        <p:txBody>
-          <a:bodyPr spcFirstLastPara="1" wrap="square" lIns="0" tIns="0" rIns="0" bIns="0" anchor="t" anchorCtr="0">
-            <a:noAutofit/>
-          </a:bodyPr>
-          <a:lstStyle/>
-          <a:p>
-            <a:pPr algn="ctr">
-              <a:spcBef>
-                <a:spcPts val="533"/>
-              </a:spcBef>
-              <a:spcAft>
-                <a:spcPts val="533"/>
-              </a:spcAft>
-            </a:pPr>
-            <a:r>
-              <a:rPr lang="ja-JP" altLang="en-US" sz="1200">
-                <a:latin typeface="+mn-ea"/>
-                <a:cs typeface="Quattrocento Sans"/>
-                <a:sym typeface="Quattrocento Sans"/>
-              </a:rPr>
-              <a:t>ハイチからのリクエスト</a:t>
-            </a:r>
-            <a:endParaRPr lang="en-US" altLang="ja-JP" sz="1200" dirty="0">
-              <a:latin typeface="+mn-ea"/>
-              <a:cs typeface="Quattrocento Sans"/>
-              <a:sym typeface="Quattrocento Sans"/>
-            </a:endParaRPr>
-          </a:p>
-          <a:p>
-            <a:pPr algn="ctr">
-              <a:spcBef>
-                <a:spcPts val="533"/>
-              </a:spcBef>
-              <a:spcAft>
-                <a:spcPts val="533"/>
-              </a:spcAft>
-            </a:pPr>
-            <a:r>
-              <a:rPr lang="ja-JP" altLang="en-US" sz="1200">
-                <a:latin typeface="+mn-ea"/>
-                <a:cs typeface="Quattrocento Sans"/>
-                <a:sym typeface="Quattrocento Sans"/>
-              </a:rPr>
-              <a:t>みんなで遊ぶサッカーボール</a:t>
-            </a:r>
-            <a:endParaRPr sz="1200" dirty="0">
-              <a:latin typeface="+mn-ea"/>
-              <a:cs typeface="Quattrocento Sans"/>
-              <a:sym typeface="Quattrocento Sans"/>
-            </a:endParaRPr>
-          </a:p>
-        </p:txBody>
-      </p:sp>
-      <p:sp>
-        <p:nvSpPr>
           <p:cNvPr id="664" name="Google Shape;664;p45"/>
           <p:cNvSpPr txBox="1"/>
           <p:nvPr/>
@@ -16844,7 +16877,7 @@
         </p:blipFill>
         <p:spPr>
           <a:xfrm>
-            <a:off x="1686316" y="4189608"/>
+            <a:off x="602411" y="4313047"/>
             <a:ext cx="2339674" cy="1584409"/>
           </a:xfrm>
           <a:prstGeom prst="rect">
@@ -18890,8 +18923,8 @@
         </p:blipFill>
         <p:spPr bwMode="auto">
           <a:xfrm>
-            <a:off x="8873096" y="4028513"/>
-            <a:ext cx="2712735" cy="1863362"/>
+            <a:off x="9124927" y="4143533"/>
+            <a:ext cx="2464662" cy="1607109"/>
           </a:xfrm>
           <a:prstGeom prst="rect">
             <a:avLst/>
@@ -18929,7 +18962,7 @@
         </p:nvSpPr>
         <p:spPr>
           <a:xfrm>
-            <a:off x="9535654" y="5881673"/>
+            <a:off x="9673440" y="5895170"/>
             <a:ext cx="1593705" cy="461665"/>
           </a:xfrm>
           <a:prstGeom prst="rect">
@@ -18965,6 +18998,386 @@
             <a:endParaRPr kumimoji="1" lang="ja-JP" altLang="en-US" sz="1200">
               <a:latin typeface="+mn-ea"/>
             </a:endParaRPr>
+          </a:p>
+        </p:txBody>
+      </p:sp>
+      <p:sp>
+        <p:nvSpPr>
+          <p:cNvPr id="9" name="テキスト ボックス 8">
+            <a:extLst>
+              <a:ext uri="{FF2B5EF4-FFF2-40B4-BE49-F238E27FC236}">
+                <a16:creationId xmlns:a16="http://schemas.microsoft.com/office/drawing/2014/main" id="{D0FA5F2F-6369-794F-B24F-8A63E01E1C98}"/>
+              </a:ext>
+            </a:extLst>
+          </p:cNvPr>
+          <p:cNvSpPr txBox="1"/>
+          <p:nvPr/>
+        </p:nvSpPr>
+        <p:spPr>
+          <a:xfrm>
+            <a:off x="799866" y="6068943"/>
+            <a:ext cx="1944763" cy="461665"/>
+          </a:xfrm>
+          <a:prstGeom prst="rect">
+            <a:avLst/>
+          </a:prstGeom>
+          <a:noFill/>
+        </p:spPr>
+        <p:txBody>
+          <a:bodyPr wrap="none" rtlCol="0">
+            <a:spAutoFit/>
+          </a:bodyPr>
+          <a:lstStyle/>
+          <a:p>
+            <a:pPr algn="ctr"/>
+            <a:r>
+              <a:rPr kumimoji="1" lang="ja-JP" altLang="en-US" sz="1200">
+                <a:latin typeface="+mn-ea"/>
+              </a:rPr>
+              <a:t>ハイチから</a:t>
+            </a:r>
+            <a:endParaRPr kumimoji="1" lang="en-US" altLang="ja-JP" sz="1200" dirty="0">
+              <a:latin typeface="+mn-ea"/>
+            </a:endParaRPr>
+          </a:p>
+          <a:p>
+            <a:pPr algn="ctr"/>
+            <a:r>
+              <a:rPr lang="ja-JP" altLang="en-US" sz="1200">
+                <a:latin typeface="+mn-ea"/>
+              </a:rPr>
+              <a:t>サッカーボールのリクエスト</a:t>
+            </a:r>
+            <a:endParaRPr kumimoji="1" lang="en-US" altLang="ja-JP" sz="1200" dirty="0">
+              <a:latin typeface="+mn-ea"/>
+            </a:endParaRPr>
+          </a:p>
+        </p:txBody>
+      </p:sp>
+      <p:sp>
+        <p:nvSpPr>
+          <p:cNvPr id="18" name="テキスト ボックス 17">
+            <a:extLst>
+              <a:ext uri="{FF2B5EF4-FFF2-40B4-BE49-F238E27FC236}">
+                <a16:creationId xmlns:a16="http://schemas.microsoft.com/office/drawing/2014/main" id="{762E262B-5E40-3A4E-A8C1-86371A32094C}"/>
+              </a:ext>
+            </a:extLst>
+          </p:cNvPr>
+          <p:cNvSpPr txBox="1"/>
+          <p:nvPr/>
+        </p:nvSpPr>
+        <p:spPr>
+          <a:xfrm>
+            <a:off x="8781071" y="2887528"/>
+            <a:ext cx="1328240" cy="461665"/>
+          </a:xfrm>
+          <a:prstGeom prst="rect">
+            <a:avLst/>
+          </a:prstGeom>
+          <a:noFill/>
+        </p:spPr>
+        <p:txBody>
+          <a:bodyPr wrap="square" rtlCol="0">
+            <a:spAutoFit/>
+          </a:bodyPr>
+          <a:lstStyle/>
+          <a:p>
+            <a:r>
+              <a:rPr kumimoji="1" lang="ja-JP" altLang="en-US" sz="2400" noProof="1">
+                <a:highlight>
+                  <a:schemeClr val="accent1"/>
+                </a:highlight>
+                <a:latin typeface="+mj-ea"/>
+                <a:sym typeface="Quattrocento Sans"/>
+              </a:rPr>
+              <a:t>紹介料</a:t>
+            </a:r>
+            <a:endParaRPr kumimoji="1" lang="ja-JP" altLang="en-US" sz="2400"/>
+          </a:p>
+        </p:txBody>
+      </p:sp>
+      <p:sp>
+        <p:nvSpPr>
+          <p:cNvPr id="42" name="下矢印 41">
+            <a:extLst>
+              <a:ext uri="{FF2B5EF4-FFF2-40B4-BE49-F238E27FC236}">
+                <a16:creationId xmlns:a16="http://schemas.microsoft.com/office/drawing/2014/main" id="{A2BEA2F3-7880-9045-B3D5-DD7F8056DBCF}"/>
+              </a:ext>
+            </a:extLst>
+          </p:cNvPr>
+          <p:cNvSpPr/>
+          <p:nvPr/>
+        </p:nvSpPr>
+        <p:spPr>
+          <a:xfrm rot="14069419">
+            <a:off x="3603225" y="2809980"/>
+            <a:ext cx="431286" cy="1238040"/>
+          </a:xfrm>
+          <a:prstGeom prst="downArrow">
+            <a:avLst>
+              <a:gd name="adj1" fmla="val 41041"/>
+              <a:gd name="adj2" fmla="val 72897"/>
+            </a:avLst>
+          </a:prstGeom>
+          <a:solidFill>
+            <a:schemeClr val="accent1">
+              <a:lumMod val="40000"/>
+              <a:lumOff val="60000"/>
+            </a:schemeClr>
+          </a:solidFill>
+          <a:ln>
+            <a:solidFill>
+              <a:schemeClr val="accent1">
+                <a:lumMod val="40000"/>
+                <a:lumOff val="60000"/>
+              </a:schemeClr>
+            </a:solidFill>
+          </a:ln>
+        </p:spPr>
+        <p:style>
+          <a:lnRef idx="2">
+            <a:schemeClr val="dk1">
+              <a:shade val="50000"/>
+            </a:schemeClr>
+          </a:lnRef>
+          <a:fillRef idx="1">
+            <a:schemeClr val="dk1"/>
+          </a:fillRef>
+          <a:effectRef idx="0">
+            <a:schemeClr val="dk1"/>
+          </a:effectRef>
+          <a:fontRef idx="minor">
+            <a:schemeClr val="lt1"/>
+          </a:fontRef>
+        </p:style>
+        <p:txBody>
+          <a:bodyPr rtlCol="0" anchor="ctr"/>
+          <a:lstStyle/>
+          <a:p>
+            <a:pPr algn="ctr"/>
+            <a:endParaRPr kumimoji="1" lang="ja-JP" altLang="en-US">
+              <a:highlight>
+                <a:srgbClr val="FFFF00"/>
+              </a:highlight>
+            </a:endParaRPr>
+          </a:p>
+        </p:txBody>
+      </p:sp>
+      <p:sp>
+        <p:nvSpPr>
+          <p:cNvPr id="43" name="下矢印 42">
+            <a:extLst>
+              <a:ext uri="{FF2B5EF4-FFF2-40B4-BE49-F238E27FC236}">
+                <a16:creationId xmlns:a16="http://schemas.microsoft.com/office/drawing/2014/main" id="{4C466EF0-4395-5C4A-94C1-3541232E385B}"/>
+              </a:ext>
+            </a:extLst>
+          </p:cNvPr>
+          <p:cNvSpPr/>
+          <p:nvPr/>
+        </p:nvSpPr>
+        <p:spPr>
+          <a:xfrm rot="5400000">
+            <a:off x="5880357" y="4548134"/>
+            <a:ext cx="431286" cy="1238040"/>
+          </a:xfrm>
+          <a:prstGeom prst="downArrow">
+            <a:avLst>
+              <a:gd name="adj1" fmla="val 41041"/>
+              <a:gd name="adj2" fmla="val 72897"/>
+            </a:avLst>
+          </a:prstGeom>
+          <a:solidFill>
+            <a:schemeClr val="accent1">
+              <a:lumMod val="40000"/>
+              <a:lumOff val="60000"/>
+            </a:schemeClr>
+          </a:solidFill>
+          <a:ln>
+            <a:solidFill>
+              <a:schemeClr val="accent1">
+                <a:lumMod val="40000"/>
+                <a:lumOff val="60000"/>
+              </a:schemeClr>
+            </a:solidFill>
+          </a:ln>
+        </p:spPr>
+        <p:style>
+          <a:lnRef idx="2">
+            <a:schemeClr val="dk1">
+              <a:shade val="50000"/>
+            </a:schemeClr>
+          </a:lnRef>
+          <a:fillRef idx="1">
+            <a:schemeClr val="dk1"/>
+          </a:fillRef>
+          <a:effectRef idx="0">
+            <a:schemeClr val="dk1"/>
+          </a:effectRef>
+          <a:fontRef idx="minor">
+            <a:schemeClr val="lt1"/>
+          </a:fontRef>
+        </p:style>
+        <p:txBody>
+          <a:bodyPr rtlCol="0" anchor="ctr"/>
+          <a:lstStyle/>
+          <a:p>
+            <a:pPr algn="ctr"/>
+            <a:endParaRPr kumimoji="1" lang="ja-JP" altLang="en-US">
+              <a:highlight>
+                <a:srgbClr val="FFFF00"/>
+              </a:highlight>
+            </a:endParaRPr>
+          </a:p>
+        </p:txBody>
+      </p:sp>
+      <p:sp>
+        <p:nvSpPr>
+          <p:cNvPr id="44" name="下矢印 43">
+            <a:extLst>
+              <a:ext uri="{FF2B5EF4-FFF2-40B4-BE49-F238E27FC236}">
+                <a16:creationId xmlns:a16="http://schemas.microsoft.com/office/drawing/2014/main" id="{02EAB4DD-438A-644B-9993-91CE9CD6032E}"/>
+              </a:ext>
+            </a:extLst>
+          </p:cNvPr>
+          <p:cNvSpPr/>
+          <p:nvPr/>
+        </p:nvSpPr>
+        <p:spPr>
+          <a:xfrm rot="7781065">
+            <a:off x="8047677" y="2864150"/>
+            <a:ext cx="445297" cy="1146589"/>
+          </a:xfrm>
+          <a:prstGeom prst="downArrow">
+            <a:avLst>
+              <a:gd name="adj1" fmla="val 41041"/>
+              <a:gd name="adj2" fmla="val 72897"/>
+            </a:avLst>
+          </a:prstGeom>
+          <a:solidFill>
+            <a:schemeClr val="accent1">
+              <a:lumMod val="40000"/>
+              <a:lumOff val="60000"/>
+            </a:schemeClr>
+          </a:solidFill>
+          <a:ln>
+            <a:solidFill>
+              <a:schemeClr val="accent1">
+                <a:lumMod val="40000"/>
+                <a:lumOff val="60000"/>
+              </a:schemeClr>
+            </a:solidFill>
+          </a:ln>
+        </p:spPr>
+        <p:style>
+          <a:lnRef idx="2">
+            <a:schemeClr val="dk1">
+              <a:shade val="50000"/>
+            </a:schemeClr>
+          </a:lnRef>
+          <a:fillRef idx="1">
+            <a:schemeClr val="dk1"/>
+          </a:fillRef>
+          <a:effectRef idx="0">
+            <a:schemeClr val="dk1"/>
+          </a:effectRef>
+          <a:fontRef idx="minor">
+            <a:schemeClr val="lt1"/>
+          </a:fontRef>
+        </p:style>
+        <p:txBody>
+          <a:bodyPr rtlCol="0" anchor="ctr"/>
+          <a:lstStyle/>
+          <a:p>
+            <a:pPr algn="ctr"/>
+            <a:endParaRPr kumimoji="1" lang="ja-JP" altLang="en-US">
+              <a:highlight>
+                <a:srgbClr val="FFFF00"/>
+              </a:highlight>
+            </a:endParaRPr>
+          </a:p>
+        </p:txBody>
+      </p:sp>
+      <p:sp>
+        <p:nvSpPr>
+          <p:cNvPr id="47" name="テキスト ボックス 46">
+            <a:extLst>
+              <a:ext uri="{FF2B5EF4-FFF2-40B4-BE49-F238E27FC236}">
+                <a16:creationId xmlns:a16="http://schemas.microsoft.com/office/drawing/2014/main" id="{35E68A34-AD48-2443-A0D5-C4C3A87DE6C1}"/>
+              </a:ext>
+            </a:extLst>
+          </p:cNvPr>
+          <p:cNvSpPr txBox="1"/>
+          <p:nvPr/>
+        </p:nvSpPr>
+        <p:spPr>
+          <a:xfrm>
+            <a:off x="1428539" y="2887527"/>
+            <a:ext cx="6106438" cy="461665"/>
+          </a:xfrm>
+          <a:prstGeom prst="rect">
+            <a:avLst/>
+          </a:prstGeom>
+          <a:noFill/>
+        </p:spPr>
+        <p:txBody>
+          <a:bodyPr wrap="square">
+            <a:spAutoFit/>
+          </a:bodyPr>
+          <a:lstStyle/>
+          <a:p>
+            <a:r>
+              <a:rPr lang="ja-JP" altLang="en-US" sz="2400" noProof="1">
+                <a:highlight>
+                  <a:schemeClr val="accent1"/>
+                </a:highlight>
+                <a:latin typeface="+mj-ea"/>
+                <a:sym typeface="Quattrocento Sans"/>
+              </a:rPr>
+              <a:t>フィードバック</a:t>
+            </a:r>
+            <a:endParaRPr lang="ja-JP" altLang="en-US"/>
+          </a:p>
+        </p:txBody>
+      </p:sp>
+      <p:sp>
+        <p:nvSpPr>
+          <p:cNvPr id="26" name="テキスト ボックス 25">
+            <a:extLst>
+              <a:ext uri="{FF2B5EF4-FFF2-40B4-BE49-F238E27FC236}">
+                <a16:creationId xmlns:a16="http://schemas.microsoft.com/office/drawing/2014/main" id="{53EAA1AE-F4B6-8E40-9D6C-51D9250560E4}"/>
+              </a:ext>
+            </a:extLst>
+          </p:cNvPr>
+          <p:cNvSpPr txBox="1"/>
+          <p:nvPr/>
+        </p:nvSpPr>
+        <p:spPr>
+          <a:xfrm>
+            <a:off x="5024538" y="5607278"/>
+            <a:ext cx="2165978" cy="461665"/>
+          </a:xfrm>
+          <a:prstGeom prst="rect">
+            <a:avLst/>
+          </a:prstGeom>
+          <a:noFill/>
+        </p:spPr>
+        <p:txBody>
+          <a:bodyPr wrap="none" rtlCol="0">
+            <a:spAutoFit/>
+          </a:bodyPr>
+          <a:lstStyle/>
+          <a:p>
+            <a:r>
+              <a:rPr lang="ja-JP" altLang="en-US" sz="2400" noProof="1">
+                <a:highlight>
+                  <a:schemeClr val="accent1"/>
+                </a:highlight>
+                <a:latin typeface="+mj-ea"/>
+                <a:sym typeface="Quattrocento Sans"/>
+              </a:rPr>
+              <a:t>サッカーボール</a:t>
+            </a:r>
+            <a:endParaRPr lang="ja-JP" altLang="en-US" sz="2400"/>
           </a:p>
         </p:txBody>
       </p:sp>
@@ -19614,7 +20027,7 @@
         </p:nvSpPr>
         <p:spPr>
           <a:xfrm>
-            <a:off x="483442" y="2784387"/>
+            <a:off x="1877542" y="2809439"/>
             <a:ext cx="1800000" cy="1080000"/>
           </a:xfrm>
           <a:prstGeom prst="homePlate">
@@ -19683,7 +20096,7 @@
         </p:nvSpPr>
         <p:spPr>
           <a:xfrm>
-            <a:off x="462450" y="4062684"/>
+            <a:off x="1856550" y="4087736"/>
             <a:ext cx="1800000" cy="1080000"/>
           </a:xfrm>
           <a:prstGeom prst="homePlate">
@@ -19731,17 +20144,6 @@
               </a:solidFill>
             </a:endParaRPr>
           </a:p>
-          <a:p>
-            <a:pPr algn="ctr"/>
-            <a:r>
-              <a:rPr kumimoji="1" lang="ja-JP" altLang="en-US">
-                <a:solidFill>
-                  <a:schemeClr val="tx1"/>
-                </a:solidFill>
-              </a:rPr>
-              <a:t>分析</a:t>
-            </a:r>
-          </a:p>
         </p:txBody>
       </p:sp>
       <p:sp>
@@ -19758,7 +20160,7 @@
         </p:nvSpPr>
         <p:spPr>
           <a:xfrm>
-            <a:off x="447567" y="5356914"/>
+            <a:off x="1841667" y="5381966"/>
             <a:ext cx="1800000" cy="1080000"/>
           </a:xfrm>
           <a:prstGeom prst="homePlate">
@@ -19822,7 +20224,7 @@
         </p:nvSpPr>
         <p:spPr>
           <a:xfrm>
-            <a:off x="3527266" y="2784387"/>
+            <a:off x="4921366" y="2809439"/>
             <a:ext cx="1800000" cy="1080000"/>
           </a:xfrm>
           <a:prstGeom prst="homePlate">
@@ -19908,7 +20310,7 @@
         </p:nvSpPr>
         <p:spPr>
           <a:xfrm>
-            <a:off x="3527266" y="5356914"/>
+            <a:off x="4921366" y="5381966"/>
             <a:ext cx="1800000" cy="1080000"/>
           </a:xfrm>
           <a:prstGeom prst="homePlate">
@@ -19985,7 +20387,7 @@
         </p:nvSpPr>
         <p:spPr>
           <a:xfrm>
-            <a:off x="3527266" y="4062684"/>
+            <a:off x="4921366" y="4087736"/>
             <a:ext cx="1800000" cy="1080000"/>
           </a:xfrm>
           <a:prstGeom prst="homePlate">
@@ -20076,7 +20478,7 @@
         </p:nvSpPr>
         <p:spPr>
           <a:xfrm>
-            <a:off x="483442" y="2210657"/>
+            <a:off x="1877542" y="2235709"/>
             <a:ext cx="1763970" cy="443948"/>
           </a:xfrm>
           <a:prstGeom prst="rect">
@@ -20128,7 +20530,7 @@
         </p:nvSpPr>
         <p:spPr>
           <a:xfrm>
-            <a:off x="3527268" y="2210657"/>
+            <a:off x="4921368" y="2235709"/>
             <a:ext cx="1799998" cy="443948"/>
           </a:xfrm>
           <a:prstGeom prst="rect">
@@ -20180,7 +20582,7 @@
         </p:nvSpPr>
         <p:spPr>
           <a:xfrm rot="5400000">
-            <a:off x="1954553" y="4413378"/>
+            <a:off x="3348653" y="4438430"/>
             <a:ext cx="1901602" cy="378612"/>
           </a:xfrm>
           <a:prstGeom prst="triangle">
@@ -20218,6 +20620,1113 @@
           <a:p>
             <a:pPr algn="ctr"/>
             <a:endParaRPr kumimoji="1" lang="ja-JP" altLang="en-US"/>
+          </a:p>
+        </p:txBody>
+      </p:sp>
+      <p:sp>
+        <p:nvSpPr>
+          <p:cNvPr id="19" name="ホームベース 18">
+            <a:extLst>
+              <a:ext uri="{FF2B5EF4-FFF2-40B4-BE49-F238E27FC236}">
+                <a16:creationId xmlns:a16="http://schemas.microsoft.com/office/drawing/2014/main" id="{3C65DF25-0D4A-4648-BB16-2AAC1AAA5A52}"/>
+              </a:ext>
+            </a:extLst>
+          </p:cNvPr>
+          <p:cNvSpPr/>
+          <p:nvPr/>
+        </p:nvSpPr>
+        <p:spPr>
+          <a:xfrm>
+            <a:off x="8001065" y="5381966"/>
+            <a:ext cx="1800000" cy="1080000"/>
+          </a:xfrm>
+          <a:prstGeom prst="homePlate">
+            <a:avLst>
+              <a:gd name="adj" fmla="val 30258"/>
+            </a:avLst>
+          </a:prstGeom>
+          <a:solidFill>
+            <a:schemeClr val="accent6">
+              <a:lumMod val="20000"/>
+              <a:lumOff val="80000"/>
+            </a:schemeClr>
+          </a:solidFill>
+          <a:ln>
+            <a:noFill/>
+          </a:ln>
+          <a:effectLst>
+            <a:outerShdw blurRad="40000" dist="23000" dir="5400000" rotWithShape="0">
+              <a:srgbClr val="000000">
+                <a:alpha val="35000"/>
+              </a:srgbClr>
+            </a:outerShdw>
+            <a:reflection endPos="0" dist="50800" dir="5400000" sy="-100000" algn="bl" rotWithShape="0"/>
+          </a:effectLst>
+        </p:spPr>
+        <p:style>
+          <a:lnRef idx="0">
+            <a:schemeClr val="accent2"/>
+          </a:lnRef>
+          <a:fillRef idx="3">
+            <a:schemeClr val="accent2"/>
+          </a:fillRef>
+          <a:effectRef idx="3">
+            <a:schemeClr val="accent2"/>
+          </a:effectRef>
+          <a:fontRef idx="minor">
+            <a:schemeClr val="lt1"/>
+          </a:fontRef>
+        </p:style>
+        <p:txBody>
+          <a:bodyPr rtlCol="0" anchor="ctr"/>
+          <a:lstStyle/>
+          <a:p>
+            <a:pPr algn="ctr"/>
+            <a:r>
+              <a:rPr kumimoji="1" lang="ja-JP" altLang="en-US">
+                <a:solidFill>
+                  <a:schemeClr val="tx1"/>
+                </a:solidFill>
+              </a:rPr>
+              <a:t>写真挿入</a:t>
+            </a:r>
+            <a:endParaRPr kumimoji="1" lang="en-US" altLang="ja-JP" dirty="0">
+              <a:solidFill>
+                <a:schemeClr val="tx1"/>
+              </a:solidFill>
+            </a:endParaRPr>
+          </a:p>
+        </p:txBody>
+      </p:sp>
+      <p:sp>
+        <p:nvSpPr>
+          <p:cNvPr id="20" name="ホームベース 19">
+            <a:extLst>
+              <a:ext uri="{FF2B5EF4-FFF2-40B4-BE49-F238E27FC236}">
+                <a16:creationId xmlns:a16="http://schemas.microsoft.com/office/drawing/2014/main" id="{53C73DFA-5235-A641-BC24-245464374A94}"/>
+              </a:ext>
+            </a:extLst>
+          </p:cNvPr>
+          <p:cNvSpPr/>
+          <p:nvPr/>
+        </p:nvSpPr>
+        <p:spPr>
+          <a:xfrm>
+            <a:off x="7965190" y="2820368"/>
+            <a:ext cx="1800000" cy="1080000"/>
+          </a:xfrm>
+          <a:prstGeom prst="homePlate">
+            <a:avLst>
+              <a:gd name="adj" fmla="val 30258"/>
+            </a:avLst>
+          </a:prstGeom>
+          <a:solidFill>
+            <a:schemeClr val="accent1"/>
+          </a:solidFill>
+        </p:spPr>
+        <p:style>
+          <a:lnRef idx="0">
+            <a:schemeClr val="accent2"/>
+          </a:lnRef>
+          <a:fillRef idx="3">
+            <a:schemeClr val="accent2"/>
+          </a:fillRef>
+          <a:effectRef idx="3">
+            <a:schemeClr val="accent2"/>
+          </a:effectRef>
+          <a:fontRef idx="minor">
+            <a:schemeClr val="lt1"/>
+          </a:fontRef>
+        </p:style>
+        <p:txBody>
+          <a:bodyPr rtlCol="0" anchor="ctr"/>
+          <a:lstStyle/>
+          <a:p>
+            <a:pPr algn="ctr"/>
+            <a:r>
+              <a:rPr lang="ja-JP" altLang="en-US">
+                <a:solidFill>
+                  <a:schemeClr val="tx1"/>
+                </a:solidFill>
+              </a:rPr>
+              <a:t>フィードバック画面作成</a:t>
+            </a:r>
+            <a:endParaRPr lang="en-US" altLang="ja-JP" dirty="0">
+              <a:solidFill>
+                <a:schemeClr val="tx1"/>
+              </a:solidFill>
+            </a:endParaRPr>
+          </a:p>
+        </p:txBody>
+      </p:sp>
+      <p:sp>
+        <p:nvSpPr>
+          <p:cNvPr id="21" name="ホームベース 20">
+            <a:extLst>
+              <a:ext uri="{FF2B5EF4-FFF2-40B4-BE49-F238E27FC236}">
+                <a16:creationId xmlns:a16="http://schemas.microsoft.com/office/drawing/2014/main" id="{3D45FDAD-562B-9545-99BE-783A931E1D68}"/>
+              </a:ext>
+            </a:extLst>
+          </p:cNvPr>
+          <p:cNvSpPr/>
+          <p:nvPr/>
+        </p:nvSpPr>
+        <p:spPr>
+          <a:xfrm>
+            <a:off x="7965190" y="4087736"/>
+            <a:ext cx="1800000" cy="1080000"/>
+          </a:xfrm>
+          <a:prstGeom prst="homePlate">
+            <a:avLst>
+              <a:gd name="adj" fmla="val 30258"/>
+            </a:avLst>
+          </a:prstGeom>
+          <a:solidFill>
+            <a:schemeClr val="accent6">
+              <a:lumMod val="20000"/>
+              <a:lumOff val="80000"/>
+            </a:schemeClr>
+          </a:solidFill>
+          <a:ln>
+            <a:noFill/>
+          </a:ln>
+          <a:effectLst>
+            <a:outerShdw blurRad="40000" dist="23000" dir="5400000" rotWithShape="0">
+              <a:srgbClr val="000000">
+                <a:alpha val="35000"/>
+              </a:srgbClr>
+            </a:outerShdw>
+            <a:reflection endPos="0" dist="50800" dir="5400000" sy="-100000" algn="bl" rotWithShape="0"/>
+          </a:effectLst>
+        </p:spPr>
+        <p:style>
+          <a:lnRef idx="0">
+            <a:schemeClr val="accent2"/>
+          </a:lnRef>
+          <a:fillRef idx="3">
+            <a:schemeClr val="accent2"/>
+          </a:fillRef>
+          <a:effectRef idx="3">
+            <a:schemeClr val="accent2"/>
+          </a:effectRef>
+          <a:fontRef idx="minor">
+            <a:schemeClr val="lt1"/>
+          </a:fontRef>
+        </p:style>
+        <p:txBody>
+          <a:bodyPr rtlCol="0" anchor="ctr"/>
+          <a:lstStyle/>
+          <a:p>
+            <a:pPr algn="ctr"/>
+            <a:r>
+              <a:rPr lang="ja-JP" altLang="en-US">
+                <a:solidFill>
+                  <a:schemeClr val="tx1"/>
+                </a:solidFill>
+              </a:rPr>
+              <a:t>メッセージ機能</a:t>
+            </a:r>
+            <a:endParaRPr lang="en-US" altLang="ja-JP" dirty="0">
+              <a:solidFill>
+                <a:schemeClr val="tx1"/>
+              </a:solidFill>
+            </a:endParaRPr>
+          </a:p>
+        </p:txBody>
+      </p:sp>
+      <p:sp>
+        <p:nvSpPr>
+          <p:cNvPr id="22" name="正方形/長方形 21">
+            <a:extLst>
+              <a:ext uri="{FF2B5EF4-FFF2-40B4-BE49-F238E27FC236}">
+                <a16:creationId xmlns:a16="http://schemas.microsoft.com/office/drawing/2014/main" id="{2786403C-A1A8-0346-82CD-093CA6ED53BB}"/>
+              </a:ext>
+            </a:extLst>
+          </p:cNvPr>
+          <p:cNvSpPr/>
+          <p:nvPr/>
+        </p:nvSpPr>
+        <p:spPr>
+          <a:xfrm>
+            <a:off x="7965192" y="2235709"/>
+            <a:ext cx="1799998" cy="443948"/>
+          </a:xfrm>
+          <a:prstGeom prst="rect">
+            <a:avLst/>
+          </a:prstGeom>
+        </p:spPr>
+        <p:style>
+          <a:lnRef idx="2">
+            <a:schemeClr val="accent5"/>
+          </a:lnRef>
+          <a:fillRef idx="1">
+            <a:schemeClr val="lt1"/>
+          </a:fillRef>
+          <a:effectRef idx="0">
+            <a:schemeClr val="accent5"/>
+          </a:effectRef>
+          <a:fontRef idx="minor">
+            <a:schemeClr val="dk1"/>
+          </a:fontRef>
+        </p:style>
+        <p:txBody>
+          <a:bodyPr rtlCol="0" anchor="ctr"/>
+          <a:lstStyle/>
+          <a:p>
+            <a:pPr algn="ctr"/>
+            <a:r>
+              <a:rPr kumimoji="1" lang="ja-JP" altLang="en-US"/>
+              <a:t>ステップ</a:t>
+            </a:r>
+            <a:r>
+              <a:rPr lang="en-US" altLang="ja-JP" dirty="0"/>
+              <a:t>3</a:t>
+            </a:r>
+            <a:endParaRPr kumimoji="1" lang="ja-JP" altLang="en-US"/>
+          </a:p>
+        </p:txBody>
+      </p:sp>
+      <p:sp>
+        <p:nvSpPr>
+          <p:cNvPr id="23" name="三角形 22">
+            <a:extLst>
+              <a:ext uri="{FF2B5EF4-FFF2-40B4-BE49-F238E27FC236}">
+                <a16:creationId xmlns:a16="http://schemas.microsoft.com/office/drawing/2014/main" id="{F85AE128-4155-E240-9EAD-6E21222CA3DC}"/>
+              </a:ext>
+            </a:extLst>
+          </p:cNvPr>
+          <p:cNvSpPr/>
+          <p:nvPr/>
+        </p:nvSpPr>
+        <p:spPr>
+          <a:xfrm rot="5400000">
+            <a:off x="6400828" y="4438430"/>
+            <a:ext cx="1901602" cy="378612"/>
+          </a:xfrm>
+          <a:prstGeom prst="triangle">
+            <a:avLst>
+              <a:gd name="adj" fmla="val 48587"/>
+            </a:avLst>
+          </a:prstGeom>
+          <a:solidFill>
+            <a:schemeClr val="accent1">
+              <a:lumMod val="40000"/>
+              <a:lumOff val="60000"/>
+            </a:schemeClr>
+          </a:solidFill>
+          <a:ln>
+            <a:noFill/>
+          </a:ln>
+        </p:spPr>
+        <p:style>
+          <a:lnRef idx="2">
+            <a:schemeClr val="dk1"/>
+          </a:lnRef>
+          <a:fillRef idx="1">
+            <a:schemeClr val="lt1"/>
+          </a:fillRef>
+          <a:effectRef idx="0">
+            <a:schemeClr val="dk1"/>
+          </a:effectRef>
+          <a:fontRef idx="minor">
+            <a:schemeClr val="dk1"/>
+          </a:fontRef>
+        </p:style>
+        <p:txBody>
+          <a:bodyPr rtlCol="0" anchor="ctr"/>
+          <a:lstStyle/>
+          <a:p>
+            <a:pPr algn="ctr"/>
+            <a:endParaRPr kumimoji="1" lang="ja-JP" altLang="en-US"/>
+          </a:p>
+        </p:txBody>
+      </p:sp>
+    </p:spTree>
+  </p:cSld>
+  <p:clrMapOvr>
+    <a:masterClrMapping/>
+  </p:clrMapOvr>
+</p:sld>
+</file>
+
+<file path=ppt/slides/slide9.xml><?xml version="1.0" encoding="utf-8"?>
+<p:sld xmlns:a="http://schemas.openxmlformats.org/drawingml/2006/main" xmlns:r="http://schemas.openxmlformats.org/officeDocument/2006/relationships" xmlns:p="http://schemas.openxmlformats.org/presentationml/2006/main">
+  <p:cSld>
+    <p:spTree>
+      <p:nvGrpSpPr>
+        <p:cNvPr id="1" name="Shape 123"/>
+        <p:cNvGrpSpPr/>
+        <p:nvPr/>
+      </p:nvGrpSpPr>
+      <p:grpSpPr>
+        <a:xfrm>
+          <a:off x="0" y="0"/>
+          <a:ext cx="0" cy="0"/>
+          <a:chOff x="0" y="0"/>
+          <a:chExt cx="0" cy="0"/>
+        </a:xfrm>
+      </p:grpSpPr>
+      <p:sp>
+        <p:nvSpPr>
+          <p:cNvPr id="125" name="Google Shape;125;p17"/>
+          <p:cNvSpPr txBox="1">
+            <a:spLocks noGrp="1"/>
+          </p:cNvSpPr>
+          <p:nvPr>
+            <p:ph type="body" idx="1"/>
+          </p:nvPr>
+        </p:nvSpPr>
+        <p:spPr>
+          <a:xfrm>
+            <a:off x="1841667" y="2155293"/>
+            <a:ext cx="9079600" cy="4149600"/>
+          </a:xfrm>
+          <a:prstGeom prst="rect">
+            <a:avLst/>
+          </a:prstGeom>
+        </p:spPr>
+        <p:txBody>
+          <a:bodyPr spcFirstLastPara="1" wrap="square" lIns="121900" tIns="121900" rIns="121900" bIns="121900" anchor="t" anchorCtr="0">
+            <a:noAutofit/>
+          </a:bodyPr>
+          <a:lstStyle/>
+          <a:p>
+            <a:pPr>
+              <a:spcBef>
+                <a:spcPts val="0"/>
+              </a:spcBef>
+              <a:buClr>
+                <a:schemeClr val="accent1"/>
+              </a:buClr>
+            </a:pPr>
+            <a:r>
+              <a:rPr lang="en" dirty="0" err="1"/>
+              <a:t>ICTインフラの普及率</a:t>
+            </a:r>
+            <a:endParaRPr lang="en" dirty="0"/>
+          </a:p>
+          <a:p>
+            <a:pPr>
+              <a:spcBef>
+                <a:spcPts val="0"/>
+              </a:spcBef>
+              <a:buClr>
+                <a:schemeClr val="accent1"/>
+              </a:buClr>
+            </a:pPr>
+            <a:endParaRPr lang="en" dirty="0"/>
+          </a:p>
+          <a:p>
+            <a:pPr>
+              <a:spcBef>
+                <a:spcPts val="0"/>
+              </a:spcBef>
+              <a:buClr>
+                <a:schemeClr val="accent1"/>
+              </a:buClr>
+            </a:pPr>
+            <a:r>
+              <a:rPr lang="ja-JP" altLang="en-US"/>
+              <a:t>寄付の範囲</a:t>
+            </a:r>
+            <a:endParaRPr lang="en-US" altLang="ja-JP" dirty="0"/>
+          </a:p>
+          <a:p>
+            <a:pPr>
+              <a:spcBef>
+                <a:spcPts val="0"/>
+              </a:spcBef>
+              <a:buClr>
+                <a:schemeClr val="accent1"/>
+              </a:buClr>
+            </a:pPr>
+            <a:endParaRPr lang="en-US" altLang="ja-JP" dirty="0"/>
+          </a:p>
+          <a:p>
+            <a:pPr>
+              <a:spcBef>
+                <a:spcPts val="0"/>
+              </a:spcBef>
+              <a:buClr>
+                <a:schemeClr val="accent1"/>
+              </a:buClr>
+            </a:pPr>
+            <a:r>
+              <a:rPr lang="ja-JP" altLang="en-US"/>
+              <a:t>実際に寄付する人はいるのか</a:t>
+            </a:r>
+            <a:endParaRPr lang="en-US" altLang="ja-JP" dirty="0"/>
+          </a:p>
+          <a:p>
+            <a:pPr>
+              <a:spcBef>
+                <a:spcPts val="0"/>
+              </a:spcBef>
+              <a:buClr>
+                <a:schemeClr val="accent1"/>
+              </a:buClr>
+            </a:pPr>
+            <a:endParaRPr lang="en-US" altLang="ja-JP" dirty="0"/>
+          </a:p>
+          <a:p>
+            <a:pPr>
+              <a:spcBef>
+                <a:spcPts val="0"/>
+              </a:spcBef>
+              <a:buClr>
+                <a:schemeClr val="accent1"/>
+              </a:buClr>
+            </a:pPr>
+            <a:endParaRPr dirty="0"/>
+          </a:p>
+          <a:p>
+            <a:pPr marL="0" indent="0">
+              <a:buClr>
+                <a:schemeClr val="dk1"/>
+              </a:buClr>
+              <a:buSzPts val="1100"/>
+              <a:buNone/>
+            </a:pPr>
+            <a:endParaRPr dirty="0"/>
+          </a:p>
+          <a:p>
+            <a:pPr marL="0" indent="0">
+              <a:buNone/>
+            </a:pPr>
+            <a:endParaRPr dirty="0"/>
+          </a:p>
+        </p:txBody>
+      </p:sp>
+      <p:grpSp>
+        <p:nvGrpSpPr>
+          <p:cNvPr id="126" name="Google Shape;126;p17"/>
+          <p:cNvGrpSpPr/>
+          <p:nvPr/>
+        </p:nvGrpSpPr>
+        <p:grpSpPr>
+          <a:xfrm>
+            <a:off x="1221945" y="1359667"/>
+            <a:ext cx="286167" cy="286167"/>
+            <a:chOff x="2594050" y="1631825"/>
+            <a:chExt cx="439625" cy="439625"/>
+          </a:xfrm>
+        </p:grpSpPr>
+        <p:sp>
+          <p:nvSpPr>
+            <p:cNvPr id="127" name="Google Shape;127;p17"/>
+            <p:cNvSpPr/>
+            <p:nvPr/>
+          </p:nvSpPr>
+          <p:spPr>
+            <a:xfrm>
+              <a:off x="2594050" y="1883300"/>
+              <a:ext cx="188175" cy="188150"/>
+            </a:xfrm>
+            <a:custGeom>
+              <a:avLst/>
+              <a:gdLst/>
+              <a:ahLst/>
+              <a:cxnLst/>
+              <a:rect l="l" t="t" r="r" b="b"/>
+              <a:pathLst>
+                <a:path w="7527" h="7526" fill="none" extrusionOk="0">
+                  <a:moveTo>
+                    <a:pt x="5992" y="0"/>
+                  </a:moveTo>
+                  <a:lnTo>
+                    <a:pt x="537" y="6430"/>
+                  </a:lnTo>
+                  <a:lnTo>
+                    <a:pt x="1" y="7526"/>
+                  </a:lnTo>
+                  <a:lnTo>
+                    <a:pt x="1097" y="6990"/>
+                  </a:lnTo>
+                  <a:lnTo>
+                    <a:pt x="7526" y="1534"/>
+                  </a:lnTo>
+                  <a:lnTo>
+                    <a:pt x="5992" y="0"/>
+                  </a:lnTo>
+                  <a:close/>
+                </a:path>
+              </a:pathLst>
+            </a:custGeom>
+            <a:noFill/>
+            <a:ln w="9525" cap="rnd" cmpd="sng">
+              <a:solidFill>
+                <a:srgbClr val="000000"/>
+              </a:solidFill>
+              <a:prstDash val="solid"/>
+              <a:round/>
+              <a:headEnd type="none" w="sm" len="sm"/>
+              <a:tailEnd type="none" w="sm" len="sm"/>
+            </a:ln>
+          </p:spPr>
+          <p:txBody>
+            <a:bodyPr spcFirstLastPara="1" wrap="square" lIns="121900" tIns="121900" rIns="121900" bIns="121900" anchor="ctr" anchorCtr="0">
+              <a:noAutofit/>
+            </a:bodyPr>
+            <a:lstStyle/>
+            <a:p>
+              <a:endParaRPr sz="2400"/>
+            </a:p>
+          </p:txBody>
+        </p:sp>
+        <p:sp>
+          <p:nvSpPr>
+            <p:cNvPr id="128" name="Google Shape;128;p17"/>
+            <p:cNvSpPr/>
+            <p:nvPr/>
+          </p:nvSpPr>
+          <p:spPr>
+            <a:xfrm>
+              <a:off x="2857700" y="1631825"/>
+              <a:ext cx="175975" cy="176000"/>
+            </a:xfrm>
+            <a:custGeom>
+              <a:avLst/>
+              <a:gdLst/>
+              <a:ahLst/>
+              <a:cxnLst/>
+              <a:rect l="l" t="t" r="r" b="b"/>
+              <a:pathLst>
+                <a:path w="7039" h="7040" fill="none" extrusionOk="0">
+                  <a:moveTo>
+                    <a:pt x="268" y="2704"/>
+                  </a:moveTo>
+                  <a:lnTo>
+                    <a:pt x="4336" y="6771"/>
+                  </a:lnTo>
+                  <a:lnTo>
+                    <a:pt x="4336" y="6771"/>
+                  </a:lnTo>
+                  <a:lnTo>
+                    <a:pt x="4336" y="6771"/>
+                  </a:lnTo>
+                  <a:lnTo>
+                    <a:pt x="4652" y="6917"/>
+                  </a:lnTo>
+                  <a:lnTo>
+                    <a:pt x="4993" y="7015"/>
+                  </a:lnTo>
+                  <a:lnTo>
+                    <a:pt x="5310" y="7039"/>
+                  </a:lnTo>
+                  <a:lnTo>
+                    <a:pt x="5651" y="7039"/>
+                  </a:lnTo>
+                  <a:lnTo>
+                    <a:pt x="5992" y="6966"/>
+                  </a:lnTo>
+                  <a:lnTo>
+                    <a:pt x="6308" y="6844"/>
+                  </a:lnTo>
+                  <a:lnTo>
+                    <a:pt x="6454" y="6747"/>
+                  </a:lnTo>
+                  <a:lnTo>
+                    <a:pt x="6601" y="6674"/>
+                  </a:lnTo>
+                  <a:lnTo>
+                    <a:pt x="6747" y="6552"/>
+                  </a:lnTo>
+                  <a:lnTo>
+                    <a:pt x="6893" y="6430"/>
+                  </a:lnTo>
+                  <a:lnTo>
+                    <a:pt x="6893" y="6430"/>
+                  </a:lnTo>
+                  <a:lnTo>
+                    <a:pt x="6942" y="6357"/>
+                  </a:lnTo>
+                  <a:lnTo>
+                    <a:pt x="7015" y="6260"/>
+                  </a:lnTo>
+                  <a:lnTo>
+                    <a:pt x="7039" y="6138"/>
+                  </a:lnTo>
+                  <a:lnTo>
+                    <a:pt x="7039" y="6041"/>
+                  </a:lnTo>
+                  <a:lnTo>
+                    <a:pt x="7039" y="6041"/>
+                  </a:lnTo>
+                  <a:lnTo>
+                    <a:pt x="7039" y="5943"/>
+                  </a:lnTo>
+                  <a:lnTo>
+                    <a:pt x="7015" y="5846"/>
+                  </a:lnTo>
+                  <a:lnTo>
+                    <a:pt x="6942" y="5748"/>
+                  </a:lnTo>
+                  <a:lnTo>
+                    <a:pt x="6893" y="5651"/>
+                  </a:lnTo>
+                  <a:lnTo>
+                    <a:pt x="1389" y="147"/>
+                  </a:lnTo>
+                  <a:lnTo>
+                    <a:pt x="1389" y="147"/>
+                  </a:lnTo>
+                  <a:lnTo>
+                    <a:pt x="1291" y="98"/>
+                  </a:lnTo>
+                  <a:lnTo>
+                    <a:pt x="1194" y="25"/>
+                  </a:lnTo>
+                  <a:lnTo>
+                    <a:pt x="1096" y="0"/>
+                  </a:lnTo>
+                  <a:lnTo>
+                    <a:pt x="999" y="0"/>
+                  </a:lnTo>
+                  <a:lnTo>
+                    <a:pt x="999" y="0"/>
+                  </a:lnTo>
+                  <a:lnTo>
+                    <a:pt x="902" y="0"/>
+                  </a:lnTo>
+                  <a:lnTo>
+                    <a:pt x="780" y="25"/>
+                  </a:lnTo>
+                  <a:lnTo>
+                    <a:pt x="682" y="98"/>
+                  </a:lnTo>
+                  <a:lnTo>
+                    <a:pt x="609" y="147"/>
+                  </a:lnTo>
+                  <a:lnTo>
+                    <a:pt x="609" y="147"/>
+                  </a:lnTo>
+                  <a:lnTo>
+                    <a:pt x="487" y="293"/>
+                  </a:lnTo>
+                  <a:lnTo>
+                    <a:pt x="366" y="439"/>
+                  </a:lnTo>
+                  <a:lnTo>
+                    <a:pt x="293" y="585"/>
+                  </a:lnTo>
+                  <a:lnTo>
+                    <a:pt x="195" y="731"/>
+                  </a:lnTo>
+                  <a:lnTo>
+                    <a:pt x="73" y="1048"/>
+                  </a:lnTo>
+                  <a:lnTo>
+                    <a:pt x="0" y="1389"/>
+                  </a:lnTo>
+                  <a:lnTo>
+                    <a:pt x="0" y="1730"/>
+                  </a:lnTo>
+                  <a:lnTo>
+                    <a:pt x="25" y="2046"/>
+                  </a:lnTo>
+                  <a:lnTo>
+                    <a:pt x="122" y="2387"/>
+                  </a:lnTo>
+                  <a:lnTo>
+                    <a:pt x="268" y="2704"/>
+                  </a:lnTo>
+                  <a:lnTo>
+                    <a:pt x="268" y="2704"/>
+                  </a:lnTo>
+                  <a:close/>
+                </a:path>
+              </a:pathLst>
+            </a:custGeom>
+            <a:noFill/>
+            <a:ln w="9525" cap="rnd" cmpd="sng">
+              <a:solidFill>
+                <a:srgbClr val="000000"/>
+              </a:solidFill>
+              <a:prstDash val="solid"/>
+              <a:round/>
+              <a:headEnd type="none" w="sm" len="sm"/>
+              <a:tailEnd type="none" w="sm" len="sm"/>
+            </a:ln>
+          </p:spPr>
+          <p:txBody>
+            <a:bodyPr spcFirstLastPara="1" wrap="square" lIns="121900" tIns="121900" rIns="121900" bIns="121900" anchor="ctr" anchorCtr="0">
+              <a:noAutofit/>
+            </a:bodyPr>
+            <a:lstStyle/>
+            <a:p>
+              <a:endParaRPr sz="2400"/>
+            </a:p>
+          </p:txBody>
+        </p:sp>
+        <p:sp>
+          <p:nvSpPr>
+            <p:cNvPr id="129" name="Google Shape;129;p17"/>
+            <p:cNvSpPr/>
+            <p:nvPr/>
+          </p:nvSpPr>
+          <p:spPr>
+            <a:xfrm>
+              <a:off x="2662850" y="1699400"/>
+              <a:ext cx="303250" cy="303250"/>
+            </a:xfrm>
+            <a:custGeom>
+              <a:avLst/>
+              <a:gdLst/>
+              <a:ahLst/>
+              <a:cxnLst/>
+              <a:rect l="l" t="t" r="r" b="b"/>
+              <a:pathLst>
+                <a:path w="12130" h="12130" fill="none" extrusionOk="0">
+                  <a:moveTo>
+                    <a:pt x="8038" y="1"/>
+                  </a:moveTo>
+                  <a:lnTo>
+                    <a:pt x="4872" y="3191"/>
+                  </a:lnTo>
+                  <a:lnTo>
+                    <a:pt x="4872" y="3191"/>
+                  </a:lnTo>
+                  <a:lnTo>
+                    <a:pt x="4628" y="3094"/>
+                  </a:lnTo>
+                  <a:lnTo>
+                    <a:pt x="4385" y="2997"/>
+                  </a:lnTo>
+                  <a:lnTo>
+                    <a:pt x="4092" y="2899"/>
+                  </a:lnTo>
+                  <a:lnTo>
+                    <a:pt x="3800" y="2850"/>
+                  </a:lnTo>
+                  <a:lnTo>
+                    <a:pt x="3484" y="2777"/>
+                  </a:lnTo>
+                  <a:lnTo>
+                    <a:pt x="3167" y="2729"/>
+                  </a:lnTo>
+                  <a:lnTo>
+                    <a:pt x="2850" y="2704"/>
+                  </a:lnTo>
+                  <a:lnTo>
+                    <a:pt x="2534" y="2704"/>
+                  </a:lnTo>
+                  <a:lnTo>
+                    <a:pt x="2534" y="2704"/>
+                  </a:lnTo>
+                  <a:lnTo>
+                    <a:pt x="2241" y="2704"/>
+                  </a:lnTo>
+                  <a:lnTo>
+                    <a:pt x="1949" y="2729"/>
+                  </a:lnTo>
+                  <a:lnTo>
+                    <a:pt x="1633" y="2777"/>
+                  </a:lnTo>
+                  <a:lnTo>
+                    <a:pt x="1316" y="2850"/>
+                  </a:lnTo>
+                  <a:lnTo>
+                    <a:pt x="999" y="2972"/>
+                  </a:lnTo>
+                  <a:lnTo>
+                    <a:pt x="707" y="3094"/>
+                  </a:lnTo>
+                  <a:lnTo>
+                    <a:pt x="415" y="3289"/>
+                  </a:lnTo>
+                  <a:lnTo>
+                    <a:pt x="147" y="3508"/>
+                  </a:lnTo>
+                  <a:lnTo>
+                    <a:pt x="147" y="3508"/>
+                  </a:lnTo>
+                  <a:lnTo>
+                    <a:pt x="74" y="3581"/>
+                  </a:lnTo>
+                  <a:lnTo>
+                    <a:pt x="25" y="3678"/>
+                  </a:lnTo>
+                  <a:lnTo>
+                    <a:pt x="1" y="3776"/>
+                  </a:lnTo>
+                  <a:lnTo>
+                    <a:pt x="1" y="3898"/>
+                  </a:lnTo>
+                  <a:lnTo>
+                    <a:pt x="1" y="3898"/>
+                  </a:lnTo>
+                  <a:lnTo>
+                    <a:pt x="1" y="3995"/>
+                  </a:lnTo>
+                  <a:lnTo>
+                    <a:pt x="25" y="4093"/>
+                  </a:lnTo>
+                  <a:lnTo>
+                    <a:pt x="74" y="4190"/>
+                  </a:lnTo>
+                  <a:lnTo>
+                    <a:pt x="147" y="4287"/>
+                  </a:lnTo>
+                  <a:lnTo>
+                    <a:pt x="7843" y="11984"/>
+                  </a:lnTo>
+                  <a:lnTo>
+                    <a:pt x="7843" y="11984"/>
+                  </a:lnTo>
+                  <a:lnTo>
+                    <a:pt x="7941" y="12057"/>
+                  </a:lnTo>
+                  <a:lnTo>
+                    <a:pt x="8038" y="12105"/>
+                  </a:lnTo>
+                  <a:lnTo>
+                    <a:pt x="8135" y="12130"/>
+                  </a:lnTo>
+                  <a:lnTo>
+                    <a:pt x="8233" y="12130"/>
+                  </a:lnTo>
+                  <a:lnTo>
+                    <a:pt x="8233" y="12130"/>
+                  </a:lnTo>
+                  <a:lnTo>
+                    <a:pt x="8355" y="12130"/>
+                  </a:lnTo>
+                  <a:lnTo>
+                    <a:pt x="8452" y="12105"/>
+                  </a:lnTo>
+                  <a:lnTo>
+                    <a:pt x="8549" y="12057"/>
+                  </a:lnTo>
+                  <a:lnTo>
+                    <a:pt x="8622" y="11984"/>
+                  </a:lnTo>
+                  <a:lnTo>
+                    <a:pt x="8622" y="11984"/>
+                  </a:lnTo>
+                  <a:lnTo>
+                    <a:pt x="8842" y="11716"/>
+                  </a:lnTo>
+                  <a:lnTo>
+                    <a:pt x="9036" y="11423"/>
+                  </a:lnTo>
+                  <a:lnTo>
+                    <a:pt x="9158" y="11131"/>
+                  </a:lnTo>
+                  <a:lnTo>
+                    <a:pt x="9280" y="10814"/>
+                  </a:lnTo>
+                  <a:lnTo>
+                    <a:pt x="9353" y="10498"/>
+                  </a:lnTo>
+                  <a:lnTo>
+                    <a:pt x="9402" y="10181"/>
+                  </a:lnTo>
+                  <a:lnTo>
+                    <a:pt x="9426" y="9889"/>
+                  </a:lnTo>
+                  <a:lnTo>
+                    <a:pt x="9426" y="9597"/>
+                  </a:lnTo>
+                  <a:lnTo>
+                    <a:pt x="9426" y="9597"/>
+                  </a:lnTo>
+                  <a:lnTo>
+                    <a:pt x="9426" y="9280"/>
+                  </a:lnTo>
+                  <a:lnTo>
+                    <a:pt x="9402" y="8964"/>
+                  </a:lnTo>
+                  <a:lnTo>
+                    <a:pt x="9353" y="8647"/>
+                  </a:lnTo>
+                  <a:lnTo>
+                    <a:pt x="9280" y="8330"/>
+                  </a:lnTo>
+                  <a:lnTo>
+                    <a:pt x="9231" y="8038"/>
+                  </a:lnTo>
+                  <a:lnTo>
+                    <a:pt x="9134" y="7746"/>
+                  </a:lnTo>
+                  <a:lnTo>
+                    <a:pt x="9036" y="7502"/>
+                  </a:lnTo>
+                  <a:lnTo>
+                    <a:pt x="8939" y="7259"/>
+                  </a:lnTo>
+                  <a:lnTo>
+                    <a:pt x="12130" y="4093"/>
+                  </a:lnTo>
+                </a:path>
+              </a:pathLst>
+            </a:custGeom>
+            <a:noFill/>
+            <a:ln w="9525" cap="rnd" cmpd="sng">
+              <a:solidFill>
+                <a:srgbClr val="000000"/>
+              </a:solidFill>
+              <a:prstDash val="solid"/>
+              <a:round/>
+              <a:headEnd type="none" w="sm" len="sm"/>
+              <a:tailEnd type="none" w="sm" len="sm"/>
+            </a:ln>
+          </p:spPr>
+          <p:txBody>
+            <a:bodyPr spcFirstLastPara="1" wrap="square" lIns="121900" tIns="121900" rIns="121900" bIns="121900" anchor="ctr" anchorCtr="0">
+              <a:noAutofit/>
+            </a:bodyPr>
+            <a:lstStyle/>
+            <a:p>
+              <a:endParaRPr sz="2400"/>
+            </a:p>
+          </p:txBody>
+        </p:sp>
+        <p:sp>
+          <p:nvSpPr>
+            <p:cNvPr id="130" name="Google Shape;130;p17"/>
+            <p:cNvSpPr/>
+            <p:nvPr/>
+          </p:nvSpPr>
+          <p:spPr>
+            <a:xfrm>
+              <a:off x="2814912" y="1754062"/>
+              <a:ext cx="49950" cy="49950"/>
+            </a:xfrm>
+            <a:custGeom>
+              <a:avLst/>
+              <a:gdLst/>
+              <a:ahLst/>
+              <a:cxnLst/>
+              <a:rect l="l" t="t" r="r" b="b"/>
+              <a:pathLst>
+                <a:path w="1998" h="1998" fill="none" extrusionOk="0">
+                  <a:moveTo>
+                    <a:pt x="1" y="1997"/>
+                  </a:moveTo>
+                  <a:lnTo>
+                    <a:pt x="1998" y="0"/>
+                  </a:lnTo>
+                </a:path>
+              </a:pathLst>
+            </a:custGeom>
+            <a:noFill/>
+            <a:ln w="9525" cap="rnd" cmpd="sng">
+              <a:solidFill>
+                <a:srgbClr val="000000"/>
+              </a:solidFill>
+              <a:prstDash val="solid"/>
+              <a:round/>
+              <a:headEnd type="none" w="sm" len="sm"/>
+              <a:tailEnd type="none" w="sm" len="sm"/>
+            </a:ln>
+          </p:spPr>
+          <p:txBody>
+            <a:bodyPr spcFirstLastPara="1" wrap="square" lIns="121900" tIns="121900" rIns="121900" bIns="121900" anchor="ctr" anchorCtr="0">
+              <a:noAutofit/>
+            </a:bodyPr>
+            <a:lstStyle/>
+            <a:p>
+              <a:endParaRPr sz="2400"/>
+            </a:p>
+          </p:txBody>
+        </p:sp>
+      </p:grpSp>
+      <p:sp>
+        <p:nvSpPr>
+          <p:cNvPr id="131" name="Google Shape;131;p17"/>
+          <p:cNvSpPr txBox="1">
+            <a:spLocks noGrp="1"/>
+          </p:cNvSpPr>
+          <p:nvPr>
+            <p:ph type="sldNum" idx="12"/>
+          </p:nvPr>
+        </p:nvSpPr>
+        <p:spPr>
+          <a:xfrm>
+            <a:off x="11390969" y="6333135"/>
+            <a:ext cx="731600" cy="524800"/>
+          </a:xfrm>
+          <a:prstGeom prst="rect">
+            <a:avLst/>
+          </a:prstGeom>
+        </p:spPr>
+        <p:txBody>
+          <a:bodyPr spcFirstLastPara="1" wrap="square" lIns="121900" tIns="121900" rIns="121900" bIns="121900" anchor="t" anchorCtr="0">
+            <a:noAutofit/>
+          </a:bodyPr>
+          <a:lstStyle/>
+          <a:p>
+            <a:fld id="{00000000-1234-1234-1234-123412341234}" type="slidenum">
+              <a:rPr lang="en"/>
+              <a:pPr/>
+              <a:t>9</a:t>
+            </a:fld>
+            <a:endParaRPr/>
+          </a:p>
+        </p:txBody>
+      </p:sp>
+      <p:sp>
+        <p:nvSpPr>
+          <p:cNvPr id="13" name="Google Shape;86;p13">
+            <a:extLst>
+              <a:ext uri="{FF2B5EF4-FFF2-40B4-BE49-F238E27FC236}">
+                <a16:creationId xmlns:a16="http://schemas.microsoft.com/office/drawing/2014/main" id="{17D45599-C65C-AB48-A84F-184AD4902EA3}"/>
+              </a:ext>
+            </a:extLst>
+          </p:cNvPr>
+          <p:cNvSpPr txBox="1">
+            <a:spLocks noGrp="1"/>
+          </p:cNvSpPr>
+          <p:nvPr>
+            <p:ph type="title"/>
+          </p:nvPr>
+        </p:nvSpPr>
+        <p:spPr>
+          <a:xfrm>
+            <a:off x="1841667" y="1194816"/>
+            <a:ext cx="5171200" cy="580800"/>
+          </a:xfrm>
+          <a:prstGeom prst="rect">
+            <a:avLst/>
+          </a:prstGeom>
+        </p:spPr>
+        <p:txBody>
+          <a:bodyPr spcFirstLastPara="1" wrap="square" lIns="121900" tIns="121900" rIns="121900" bIns="121900" anchor="ctr" anchorCtr="0">
+            <a:noAutofit/>
+          </a:bodyPr>
+          <a:lstStyle/>
+          <a:p>
+            <a:r>
+              <a:rPr lang="en-US" altLang="ja-JP" sz="2670" b="0" noProof="1">
+                <a:latin typeface="+mj-ea"/>
+                <a:ea typeface="+mj-ea"/>
+                <a:sym typeface="Quattrocento Sans"/>
+              </a:rPr>
+              <a:t>DTP</a:t>
+            </a:r>
+            <a:r>
+              <a:rPr lang="ja-JP" altLang="en-US" sz="2670" b="0" noProof="1">
+                <a:latin typeface="+mj-ea"/>
+                <a:ea typeface="+mj-ea"/>
+                <a:sym typeface="Quattrocento Sans"/>
+              </a:rPr>
+              <a:t>の</a:t>
+            </a:r>
+            <a:r>
+              <a:rPr lang="ja-JP" altLang="en-US" sz="2800" b="0" noProof="1">
+                <a:highlight>
+                  <a:schemeClr val="accent1"/>
+                </a:highlight>
+                <a:latin typeface="+mj-ea"/>
+                <a:ea typeface="+mj-ea"/>
+                <a:sym typeface="Quattrocento Sans"/>
+              </a:rPr>
+              <a:t>課題</a:t>
+            </a:r>
+            <a:endParaRPr sz="2670" b="0" dirty="0">
+              <a:latin typeface="+mj-ea"/>
+              <a:ea typeface="+mj-ea"/>
+            </a:endParaRPr>
           </a:p>
         </p:txBody>
       </p:sp>
